--- a/Article/Note/11번가_신입개발자_교육_후기/image/img.pptx
+++ b/Article/Note/11번가_신입개발자_교육_후기/image/img.pptx
@@ -6,6 +6,8 @@
   </p:sldMasterIdLst>
   <p:sldIdLst>
     <p:sldId id="256" r:id="rId2"/>
+    <p:sldId id="257" r:id="rId3"/>
+    <p:sldId id="258" r:id="rId4"/>
   </p:sldIdLst>
   <p:sldSz cx="12192000" cy="6858000"/>
   <p:notesSz cx="6858000" cy="9144000"/>
@@ -104,6 +106,11 @@
       </a:defRPr>
     </a:lvl9pPr>
   </p:defaultTextStyle>
+  <p:extLst>
+    <p:ext uri="{EFAFB233-063F-42B5-8137-9DF3F51BA10A}">
+      <p15:sldGuideLst xmlns:p15="http://schemas.microsoft.com/office/powerpoint/2012/main"/>
+    </p:ext>
+  </p:extLst>
 </p:presentation>
 </file>
 
@@ -254,7 +261,7 @@
           <a:p>
             <a:fld id="{80C35001-82B5-B245-95DF-00DA8BF0A728}" type="datetimeFigureOut">
               <a:rPr kumimoji="1" lang="ko-KR" altLang="en-US" smtClean="0"/>
-              <a:t>2021. 3. 1.</a:t>
+              <a:t>2021. 3. 3.</a:t>
             </a:fld>
             <a:endParaRPr kumimoji="1" lang="ko-KR" altLang="en-US"/>
           </a:p>
@@ -452,7 +459,7 @@
           <a:p>
             <a:fld id="{80C35001-82B5-B245-95DF-00DA8BF0A728}" type="datetimeFigureOut">
               <a:rPr kumimoji="1" lang="ko-KR" altLang="en-US" smtClean="0"/>
-              <a:t>2021. 3. 1.</a:t>
+              <a:t>2021. 3. 3.</a:t>
             </a:fld>
             <a:endParaRPr kumimoji="1" lang="ko-KR" altLang="en-US"/>
           </a:p>
@@ -660,7 +667,7 @@
           <a:p>
             <a:fld id="{80C35001-82B5-B245-95DF-00DA8BF0A728}" type="datetimeFigureOut">
               <a:rPr kumimoji="1" lang="ko-KR" altLang="en-US" smtClean="0"/>
-              <a:t>2021. 3. 1.</a:t>
+              <a:t>2021. 3. 3.</a:t>
             </a:fld>
             <a:endParaRPr kumimoji="1" lang="ko-KR" altLang="en-US"/>
           </a:p>
@@ -858,7 +865,7 @@
           <a:p>
             <a:fld id="{80C35001-82B5-B245-95DF-00DA8BF0A728}" type="datetimeFigureOut">
               <a:rPr kumimoji="1" lang="ko-KR" altLang="en-US" smtClean="0"/>
-              <a:t>2021. 3. 1.</a:t>
+              <a:t>2021. 3. 3.</a:t>
             </a:fld>
             <a:endParaRPr kumimoji="1" lang="ko-KR" altLang="en-US"/>
           </a:p>
@@ -1133,7 +1140,7 @@
           <a:p>
             <a:fld id="{80C35001-82B5-B245-95DF-00DA8BF0A728}" type="datetimeFigureOut">
               <a:rPr kumimoji="1" lang="ko-KR" altLang="en-US" smtClean="0"/>
-              <a:t>2021. 3. 1.</a:t>
+              <a:t>2021. 3. 3.</a:t>
             </a:fld>
             <a:endParaRPr kumimoji="1" lang="ko-KR" altLang="en-US"/>
           </a:p>
@@ -1398,7 +1405,7 @@
           <a:p>
             <a:fld id="{80C35001-82B5-B245-95DF-00DA8BF0A728}" type="datetimeFigureOut">
               <a:rPr kumimoji="1" lang="ko-KR" altLang="en-US" smtClean="0"/>
-              <a:t>2021. 3. 1.</a:t>
+              <a:t>2021. 3. 3.</a:t>
             </a:fld>
             <a:endParaRPr kumimoji="1" lang="ko-KR" altLang="en-US"/>
           </a:p>
@@ -1810,7 +1817,7 @@
           <a:p>
             <a:fld id="{80C35001-82B5-B245-95DF-00DA8BF0A728}" type="datetimeFigureOut">
               <a:rPr kumimoji="1" lang="ko-KR" altLang="en-US" smtClean="0"/>
-              <a:t>2021. 3. 1.</a:t>
+              <a:t>2021. 3. 3.</a:t>
             </a:fld>
             <a:endParaRPr kumimoji="1" lang="ko-KR" altLang="en-US"/>
           </a:p>
@@ -1951,7 +1958,7 @@
           <a:p>
             <a:fld id="{80C35001-82B5-B245-95DF-00DA8BF0A728}" type="datetimeFigureOut">
               <a:rPr kumimoji="1" lang="ko-KR" altLang="en-US" smtClean="0"/>
-              <a:t>2021. 3. 1.</a:t>
+              <a:t>2021. 3. 3.</a:t>
             </a:fld>
             <a:endParaRPr kumimoji="1" lang="ko-KR" altLang="en-US"/>
           </a:p>
@@ -2064,7 +2071,7 @@
           <a:p>
             <a:fld id="{80C35001-82B5-B245-95DF-00DA8BF0A728}" type="datetimeFigureOut">
               <a:rPr kumimoji="1" lang="ko-KR" altLang="en-US" smtClean="0"/>
-              <a:t>2021. 3. 1.</a:t>
+              <a:t>2021. 3. 3.</a:t>
             </a:fld>
             <a:endParaRPr kumimoji="1" lang="ko-KR" altLang="en-US"/>
           </a:p>
@@ -2375,7 +2382,7 @@
           <a:p>
             <a:fld id="{80C35001-82B5-B245-95DF-00DA8BF0A728}" type="datetimeFigureOut">
               <a:rPr kumimoji="1" lang="ko-KR" altLang="en-US" smtClean="0"/>
-              <a:t>2021. 3. 1.</a:t>
+              <a:t>2021. 3. 3.</a:t>
             </a:fld>
             <a:endParaRPr kumimoji="1" lang="ko-KR" altLang="en-US"/>
           </a:p>
@@ -2663,7 +2670,7 @@
           <a:p>
             <a:fld id="{80C35001-82B5-B245-95DF-00DA8BF0A728}" type="datetimeFigureOut">
               <a:rPr kumimoji="1" lang="ko-KR" altLang="en-US" smtClean="0"/>
-              <a:t>2021. 3. 1.</a:t>
+              <a:t>2021. 3. 3.</a:t>
             </a:fld>
             <a:endParaRPr kumimoji="1" lang="ko-KR" altLang="en-US"/>
           </a:p>
@@ -2904,7 +2911,7 @@
           <a:p>
             <a:fld id="{80C35001-82B5-B245-95DF-00DA8BF0A728}" type="datetimeFigureOut">
               <a:rPr kumimoji="1" lang="ko-KR" altLang="en-US" smtClean="0"/>
-              <a:t>2021. 3. 1.</a:t>
+              <a:t>2021. 3. 3.</a:t>
             </a:fld>
             <a:endParaRPr kumimoji="1" lang="ko-KR" altLang="en-US"/>
           </a:p>
@@ -3321,10 +3328,749 @@
           <a:chExt cx="0" cy="0"/>
         </a:xfrm>
       </p:grpSpPr>
+      <p:pic>
+        <p:nvPicPr>
+          <p:cNvPr id="5" name="그림 4" descr="텍스트이(가) 표시된 사진&#10;&#10;자동 생성된 설명">
+            <a:extLst>
+              <a:ext uri="{FF2B5EF4-FFF2-40B4-BE49-F238E27FC236}">
+                <a16:creationId xmlns:a16="http://schemas.microsoft.com/office/drawing/2014/main" id="{85608197-6559-9847-A6E5-C6469FABF133}"/>
+              </a:ext>
+            </a:extLst>
+          </p:cNvPr>
+          <p:cNvPicPr>
+            <a:picLocks noChangeAspect="1"/>
+          </p:cNvPicPr>
+          <p:nvPr/>
+        </p:nvPicPr>
+        <p:blipFill>
+          <a:blip r:embed="rId2"/>
+          <a:stretch>
+            <a:fillRect/>
+          </a:stretch>
+        </p:blipFill>
+        <p:spPr>
+          <a:xfrm>
+            <a:off x="0" y="217777"/>
+            <a:ext cx="12192000" cy="6422445"/>
+          </a:xfrm>
+          <a:prstGeom prst="rect">
+            <a:avLst/>
+          </a:prstGeom>
+        </p:spPr>
+      </p:pic>
+      <p:sp>
+        <p:nvSpPr>
+          <p:cNvPr id="8" name="직사각형 7">
+            <a:extLst>
+              <a:ext uri="{FF2B5EF4-FFF2-40B4-BE49-F238E27FC236}">
+                <a16:creationId xmlns:a16="http://schemas.microsoft.com/office/drawing/2014/main" id="{6FD2287D-FEE4-BC40-BE3C-20134955CDF8}"/>
+              </a:ext>
+            </a:extLst>
+          </p:cNvPr>
+          <p:cNvSpPr/>
+          <p:nvPr/>
+        </p:nvSpPr>
+        <p:spPr>
+          <a:xfrm>
+            <a:off x="0" y="217775"/>
+            <a:ext cx="2137025" cy="6422448"/>
+          </a:xfrm>
+          <a:prstGeom prst="rect">
+            <a:avLst/>
+          </a:prstGeom>
+          <a:solidFill>
+            <a:schemeClr val="accent1">
+              <a:lumMod val="40000"/>
+              <a:lumOff val="60000"/>
+              <a:alpha val="30000"/>
+            </a:schemeClr>
+          </a:solidFill>
+          <a:ln>
+            <a:solidFill>
+              <a:schemeClr val="accent1">
+                <a:lumMod val="40000"/>
+                <a:lumOff val="60000"/>
+              </a:schemeClr>
+            </a:solidFill>
+          </a:ln>
+        </p:spPr>
+        <p:style>
+          <a:lnRef idx="2">
+            <a:schemeClr val="accent1">
+              <a:shade val="50000"/>
+            </a:schemeClr>
+          </a:lnRef>
+          <a:fillRef idx="1">
+            <a:schemeClr val="accent1"/>
+          </a:fillRef>
+          <a:effectRef idx="0">
+            <a:schemeClr val="accent1"/>
+          </a:effectRef>
+          <a:fontRef idx="minor">
+            <a:schemeClr val="lt1"/>
+          </a:fontRef>
+        </p:style>
+        <p:txBody>
+          <a:bodyPr rtlCol="0" anchor="ctr"/>
+          <a:lstStyle/>
+          <a:p>
+            <a:pPr algn="ctr"/>
+            <a:endParaRPr kumimoji="1" lang="ko-KR" altLang="en-US"/>
+          </a:p>
+        </p:txBody>
+      </p:sp>
+      <p:sp>
+        <p:nvSpPr>
+          <p:cNvPr id="9" name="직사각형 8">
+            <a:extLst>
+              <a:ext uri="{FF2B5EF4-FFF2-40B4-BE49-F238E27FC236}">
+                <a16:creationId xmlns:a16="http://schemas.microsoft.com/office/drawing/2014/main" id="{B5843EE7-C6F2-4F45-A009-F6A8A6C2DFF6}"/>
+              </a:ext>
+            </a:extLst>
+          </p:cNvPr>
+          <p:cNvSpPr/>
+          <p:nvPr/>
+        </p:nvSpPr>
+        <p:spPr>
+          <a:xfrm>
+            <a:off x="-1" y="5989834"/>
+            <a:ext cx="2137025" cy="650388"/>
+          </a:xfrm>
+          <a:prstGeom prst="rect">
+            <a:avLst/>
+          </a:prstGeom>
+          <a:solidFill>
+            <a:schemeClr val="accent2">
+              <a:lumMod val="75000"/>
+              <a:alpha val="30000"/>
+            </a:schemeClr>
+          </a:solidFill>
+          <a:ln>
+            <a:solidFill>
+              <a:schemeClr val="accent1">
+                <a:lumMod val="40000"/>
+                <a:lumOff val="60000"/>
+              </a:schemeClr>
+            </a:solidFill>
+          </a:ln>
+        </p:spPr>
+        <p:style>
+          <a:lnRef idx="2">
+            <a:schemeClr val="accent1">
+              <a:shade val="50000"/>
+            </a:schemeClr>
+          </a:lnRef>
+          <a:fillRef idx="1">
+            <a:schemeClr val="accent1"/>
+          </a:fillRef>
+          <a:effectRef idx="0">
+            <a:schemeClr val="accent1"/>
+          </a:effectRef>
+          <a:fontRef idx="minor">
+            <a:schemeClr val="lt1"/>
+          </a:fontRef>
+        </p:style>
+        <p:txBody>
+          <a:bodyPr rtlCol="0" anchor="ctr"/>
+          <a:lstStyle/>
+          <a:p>
+            <a:pPr algn="ctr"/>
+            <a:endParaRPr kumimoji="1" lang="ko-KR" altLang="en-US"/>
+          </a:p>
+        </p:txBody>
+      </p:sp>
+      <p:sp>
+        <p:nvSpPr>
+          <p:cNvPr id="10" name="직사각형 9">
+            <a:extLst>
+              <a:ext uri="{FF2B5EF4-FFF2-40B4-BE49-F238E27FC236}">
+                <a16:creationId xmlns:a16="http://schemas.microsoft.com/office/drawing/2014/main" id="{FB196FBC-971C-294A-815F-0CC5845A5BB6}"/>
+              </a:ext>
+            </a:extLst>
+          </p:cNvPr>
+          <p:cNvSpPr/>
+          <p:nvPr/>
+        </p:nvSpPr>
+        <p:spPr>
+          <a:xfrm>
+            <a:off x="2137024" y="1006868"/>
+            <a:ext cx="10054976" cy="513708"/>
+          </a:xfrm>
+          <a:prstGeom prst="rect">
+            <a:avLst/>
+          </a:prstGeom>
+          <a:solidFill>
+            <a:schemeClr val="accent6">
+              <a:lumMod val="75000"/>
+              <a:alpha val="30000"/>
+            </a:schemeClr>
+          </a:solidFill>
+          <a:ln>
+            <a:solidFill>
+              <a:schemeClr val="accent1">
+                <a:lumMod val="40000"/>
+                <a:lumOff val="60000"/>
+              </a:schemeClr>
+            </a:solidFill>
+          </a:ln>
+        </p:spPr>
+        <p:style>
+          <a:lnRef idx="2">
+            <a:schemeClr val="accent1">
+              <a:shade val="50000"/>
+            </a:schemeClr>
+          </a:lnRef>
+          <a:fillRef idx="1">
+            <a:schemeClr val="accent1"/>
+          </a:fillRef>
+          <a:effectRef idx="0">
+            <a:schemeClr val="accent1"/>
+          </a:effectRef>
+          <a:fontRef idx="minor">
+            <a:schemeClr val="lt1"/>
+          </a:fontRef>
+        </p:style>
+        <p:txBody>
+          <a:bodyPr rtlCol="0" anchor="ctr"/>
+          <a:lstStyle/>
+          <a:p>
+            <a:pPr algn="ctr"/>
+            <a:endParaRPr kumimoji="1" lang="ko-KR" altLang="en-US"/>
+          </a:p>
+        </p:txBody>
+      </p:sp>
+      <p:sp>
+        <p:nvSpPr>
+          <p:cNvPr id="11" name="직사각형 10">
+            <a:extLst>
+              <a:ext uri="{FF2B5EF4-FFF2-40B4-BE49-F238E27FC236}">
+                <a16:creationId xmlns:a16="http://schemas.microsoft.com/office/drawing/2014/main" id="{B71FE576-B89E-F54C-B62D-13F013255157}"/>
+              </a:ext>
+            </a:extLst>
+          </p:cNvPr>
+          <p:cNvSpPr/>
+          <p:nvPr/>
+        </p:nvSpPr>
+        <p:spPr>
+          <a:xfrm>
+            <a:off x="2137024" y="217776"/>
+            <a:ext cx="10054976" cy="789092"/>
+          </a:xfrm>
+          <a:prstGeom prst="rect">
+            <a:avLst/>
+          </a:prstGeom>
+          <a:solidFill>
+            <a:srgbClr val="FF0000">
+              <a:alpha val="30000"/>
+            </a:srgbClr>
+          </a:solidFill>
+          <a:ln>
+            <a:solidFill>
+              <a:schemeClr val="accent1">
+                <a:lumMod val="40000"/>
+                <a:lumOff val="60000"/>
+              </a:schemeClr>
+            </a:solidFill>
+          </a:ln>
+        </p:spPr>
+        <p:style>
+          <a:lnRef idx="2">
+            <a:schemeClr val="accent1">
+              <a:shade val="50000"/>
+            </a:schemeClr>
+          </a:lnRef>
+          <a:fillRef idx="1">
+            <a:schemeClr val="accent1"/>
+          </a:fillRef>
+          <a:effectRef idx="0">
+            <a:schemeClr val="accent1"/>
+          </a:effectRef>
+          <a:fontRef idx="minor">
+            <a:schemeClr val="lt1"/>
+          </a:fontRef>
+        </p:style>
+        <p:txBody>
+          <a:bodyPr rtlCol="0" anchor="ctr"/>
+          <a:lstStyle/>
+          <a:p>
+            <a:pPr algn="ctr"/>
+            <a:endParaRPr kumimoji="1" lang="ko-KR" altLang="en-US"/>
+          </a:p>
+        </p:txBody>
+      </p:sp>
+      <p:sp>
+        <p:nvSpPr>
+          <p:cNvPr id="12" name="직사각형 11">
+            <a:extLst>
+              <a:ext uri="{FF2B5EF4-FFF2-40B4-BE49-F238E27FC236}">
+                <a16:creationId xmlns:a16="http://schemas.microsoft.com/office/drawing/2014/main" id="{2D976F33-92E1-E044-B3D3-2BD6D8C747DD}"/>
+              </a:ext>
+            </a:extLst>
+          </p:cNvPr>
+          <p:cNvSpPr/>
+          <p:nvPr/>
+        </p:nvSpPr>
+        <p:spPr>
+          <a:xfrm>
+            <a:off x="6924782" y="823950"/>
+            <a:ext cx="2922998" cy="3501469"/>
+          </a:xfrm>
+          <a:prstGeom prst="rect">
+            <a:avLst/>
+          </a:prstGeom>
+          <a:solidFill>
+            <a:srgbClr val="7030A0">
+              <a:alpha val="30000"/>
+            </a:srgbClr>
+          </a:solidFill>
+          <a:ln>
+            <a:solidFill>
+              <a:schemeClr val="accent1">
+                <a:lumMod val="40000"/>
+                <a:lumOff val="60000"/>
+              </a:schemeClr>
+            </a:solidFill>
+          </a:ln>
+        </p:spPr>
+        <p:style>
+          <a:lnRef idx="2">
+            <a:schemeClr val="accent1">
+              <a:shade val="50000"/>
+            </a:schemeClr>
+          </a:lnRef>
+          <a:fillRef idx="1">
+            <a:schemeClr val="accent1"/>
+          </a:fillRef>
+          <a:effectRef idx="0">
+            <a:schemeClr val="accent1"/>
+          </a:effectRef>
+          <a:fontRef idx="minor">
+            <a:schemeClr val="lt1"/>
+          </a:fontRef>
+        </p:style>
+        <p:txBody>
+          <a:bodyPr rtlCol="0" anchor="ctr"/>
+          <a:lstStyle/>
+          <a:p>
+            <a:pPr algn="ctr"/>
+            <a:endParaRPr kumimoji="1" lang="ko-KR" altLang="en-US"/>
+          </a:p>
+        </p:txBody>
+      </p:sp>
+      <p:sp>
+        <p:nvSpPr>
+          <p:cNvPr id="13" name="직사각형 12">
+            <a:extLst>
+              <a:ext uri="{FF2B5EF4-FFF2-40B4-BE49-F238E27FC236}">
+                <a16:creationId xmlns:a16="http://schemas.microsoft.com/office/drawing/2014/main" id="{1EFC3AA1-18CE-9D49-84C9-4C70966B1844}"/>
+              </a:ext>
+            </a:extLst>
+          </p:cNvPr>
+          <p:cNvSpPr/>
+          <p:nvPr/>
+        </p:nvSpPr>
+        <p:spPr>
+          <a:xfrm>
+            <a:off x="2137023" y="1520576"/>
+            <a:ext cx="10054976" cy="2804843"/>
+          </a:xfrm>
+          <a:prstGeom prst="rect">
+            <a:avLst/>
+          </a:prstGeom>
+          <a:solidFill>
+            <a:srgbClr val="7030A0">
+              <a:alpha val="30000"/>
+            </a:srgbClr>
+          </a:solidFill>
+          <a:ln>
+            <a:solidFill>
+              <a:schemeClr val="accent1">
+                <a:lumMod val="40000"/>
+                <a:lumOff val="60000"/>
+              </a:schemeClr>
+            </a:solidFill>
+          </a:ln>
+        </p:spPr>
+        <p:style>
+          <a:lnRef idx="2">
+            <a:schemeClr val="accent1">
+              <a:shade val="50000"/>
+            </a:schemeClr>
+          </a:lnRef>
+          <a:fillRef idx="1">
+            <a:schemeClr val="accent1"/>
+          </a:fillRef>
+          <a:effectRef idx="0">
+            <a:schemeClr val="accent1"/>
+          </a:effectRef>
+          <a:fontRef idx="minor">
+            <a:schemeClr val="lt1"/>
+          </a:fontRef>
+        </p:style>
+        <p:txBody>
+          <a:bodyPr rtlCol="0" anchor="ctr"/>
+          <a:lstStyle/>
+          <a:p>
+            <a:pPr algn="ctr"/>
+            <a:endParaRPr kumimoji="1" lang="ko-KR" altLang="en-US"/>
+          </a:p>
+        </p:txBody>
+      </p:sp>
+      <p:sp>
+        <p:nvSpPr>
+          <p:cNvPr id="14" name="직사각형 13">
+            <a:extLst>
+              <a:ext uri="{FF2B5EF4-FFF2-40B4-BE49-F238E27FC236}">
+                <a16:creationId xmlns:a16="http://schemas.microsoft.com/office/drawing/2014/main" id="{99EB8E1B-EC2F-D84D-AE7C-69696497F465}"/>
+              </a:ext>
+            </a:extLst>
+          </p:cNvPr>
+          <p:cNvSpPr/>
+          <p:nvPr/>
+        </p:nvSpPr>
+        <p:spPr>
+          <a:xfrm>
+            <a:off x="2137024" y="4335693"/>
+            <a:ext cx="10054976" cy="1664415"/>
+          </a:xfrm>
+          <a:prstGeom prst="rect">
+            <a:avLst/>
+          </a:prstGeom>
+          <a:solidFill>
+            <a:schemeClr val="accent6">
+              <a:lumMod val="50000"/>
+              <a:alpha val="30000"/>
+            </a:schemeClr>
+          </a:solidFill>
+          <a:ln>
+            <a:solidFill>
+              <a:schemeClr val="accent1">
+                <a:lumMod val="40000"/>
+                <a:lumOff val="60000"/>
+              </a:schemeClr>
+            </a:solidFill>
+          </a:ln>
+        </p:spPr>
+        <p:style>
+          <a:lnRef idx="2">
+            <a:schemeClr val="accent1">
+              <a:shade val="50000"/>
+            </a:schemeClr>
+          </a:lnRef>
+          <a:fillRef idx="1">
+            <a:schemeClr val="accent1"/>
+          </a:fillRef>
+          <a:effectRef idx="0">
+            <a:schemeClr val="accent1"/>
+          </a:effectRef>
+          <a:fontRef idx="minor">
+            <a:schemeClr val="lt1"/>
+          </a:fontRef>
+        </p:style>
+        <p:txBody>
+          <a:bodyPr rtlCol="0" anchor="ctr"/>
+          <a:lstStyle/>
+          <a:p>
+            <a:pPr algn="ctr"/>
+            <a:endParaRPr kumimoji="1" lang="ko-KR" altLang="en-US"/>
+          </a:p>
+        </p:txBody>
+      </p:sp>
+      <p:sp>
+        <p:nvSpPr>
+          <p:cNvPr id="15" name="직사각형 14">
+            <a:extLst>
+              <a:ext uri="{FF2B5EF4-FFF2-40B4-BE49-F238E27FC236}">
+                <a16:creationId xmlns:a16="http://schemas.microsoft.com/office/drawing/2014/main" id="{ED994EE8-6408-3244-B886-86B6D9768A4B}"/>
+              </a:ext>
+            </a:extLst>
+          </p:cNvPr>
+          <p:cNvSpPr/>
+          <p:nvPr/>
+        </p:nvSpPr>
+        <p:spPr>
+          <a:xfrm>
+            <a:off x="11373491" y="4315145"/>
+            <a:ext cx="818507" cy="2325077"/>
+          </a:xfrm>
+          <a:prstGeom prst="rect">
+            <a:avLst/>
+          </a:prstGeom>
+          <a:solidFill>
+            <a:srgbClr val="00B0F0">
+              <a:alpha val="42000"/>
+            </a:srgbClr>
+          </a:solidFill>
+          <a:ln>
+            <a:solidFill>
+              <a:srgbClr val="00B0F0"/>
+            </a:solidFill>
+          </a:ln>
+        </p:spPr>
+        <p:style>
+          <a:lnRef idx="2">
+            <a:schemeClr val="accent1">
+              <a:shade val="50000"/>
+            </a:schemeClr>
+          </a:lnRef>
+          <a:fillRef idx="1">
+            <a:schemeClr val="accent1"/>
+          </a:fillRef>
+          <a:effectRef idx="0">
+            <a:schemeClr val="accent1"/>
+          </a:effectRef>
+          <a:fontRef idx="minor">
+            <a:schemeClr val="lt1"/>
+          </a:fontRef>
+        </p:style>
+        <p:txBody>
+          <a:bodyPr rtlCol="0" anchor="ctr"/>
+          <a:lstStyle/>
+          <a:p>
+            <a:pPr algn="ctr"/>
+            <a:endParaRPr kumimoji="1" lang="ko-KR" altLang="en-US"/>
+          </a:p>
+        </p:txBody>
+      </p:sp>
     </p:spTree>
     <p:extLst>
       <p:ext uri="{BB962C8B-B14F-4D97-AF65-F5344CB8AC3E}">
         <p14:creationId xmlns:p14="http://schemas.microsoft.com/office/powerpoint/2010/main" val="1679671444"/>
+      </p:ext>
+    </p:extLst>
+  </p:cSld>
+  <p:clrMapOvr>
+    <a:masterClrMapping/>
+  </p:clrMapOvr>
+</p:sld>
+</file>
+
+<file path=ppt/slides/slide2.xml><?xml version="1.0" encoding="utf-8"?>
+<p:sld xmlns:a="http://schemas.openxmlformats.org/drawingml/2006/main" xmlns:r="http://schemas.openxmlformats.org/officeDocument/2006/relationships" xmlns:p="http://schemas.openxmlformats.org/presentationml/2006/main">
+  <p:cSld>
+    <p:spTree>
+      <p:nvGrpSpPr>
+        <p:cNvPr id="1" name=""/>
+        <p:cNvGrpSpPr/>
+        <p:nvPr/>
+      </p:nvGrpSpPr>
+      <p:grpSpPr>
+        <a:xfrm>
+          <a:off x="0" y="0"/>
+          <a:ext cx="0" cy="0"/>
+          <a:chOff x="0" y="0"/>
+          <a:chExt cx="0" cy="0"/>
+        </a:xfrm>
+      </p:grpSpPr>
+      <p:pic>
+        <p:nvPicPr>
+          <p:cNvPr id="4" name="그림 3" descr="테이블이(가) 표시된 사진&#10;&#10;자동 생성된 설명">
+            <a:extLst>
+              <a:ext uri="{FF2B5EF4-FFF2-40B4-BE49-F238E27FC236}">
+                <a16:creationId xmlns:a16="http://schemas.microsoft.com/office/drawing/2014/main" id="{08E818B6-F521-5E47-B483-22F7A8751D5D}"/>
+              </a:ext>
+            </a:extLst>
+          </p:cNvPr>
+          <p:cNvPicPr>
+            <a:picLocks noChangeAspect="1"/>
+          </p:cNvPicPr>
+          <p:nvPr/>
+        </p:nvPicPr>
+        <p:blipFill>
+          <a:blip r:embed="rId2"/>
+          <a:stretch>
+            <a:fillRect/>
+          </a:stretch>
+        </p:blipFill>
+        <p:spPr>
+          <a:xfrm>
+            <a:off x="4425950" y="565150"/>
+            <a:ext cx="3340100" cy="5727700"/>
+          </a:xfrm>
+          <a:prstGeom prst="rect">
+            <a:avLst/>
+          </a:prstGeom>
+        </p:spPr>
+      </p:pic>
+      <p:sp>
+        <p:nvSpPr>
+          <p:cNvPr id="5" name="직사각형 4">
+            <a:extLst>
+              <a:ext uri="{FF2B5EF4-FFF2-40B4-BE49-F238E27FC236}">
+                <a16:creationId xmlns:a16="http://schemas.microsoft.com/office/drawing/2014/main" id="{92BF7D5B-3C23-8B49-8B3B-94CC87951E5E}"/>
+              </a:ext>
+            </a:extLst>
+          </p:cNvPr>
+          <p:cNvSpPr/>
+          <p:nvPr/>
+        </p:nvSpPr>
+        <p:spPr>
+          <a:xfrm>
+            <a:off x="7485529" y="1183341"/>
+            <a:ext cx="215153" cy="152400"/>
+          </a:xfrm>
+          <a:prstGeom prst="rect">
+            <a:avLst/>
+          </a:prstGeom>
+          <a:solidFill>
+            <a:schemeClr val="bg1"/>
+          </a:solidFill>
+          <a:ln>
+            <a:noFill/>
+          </a:ln>
+        </p:spPr>
+        <p:style>
+          <a:lnRef idx="2">
+            <a:schemeClr val="accent1">
+              <a:shade val="50000"/>
+            </a:schemeClr>
+          </a:lnRef>
+          <a:fillRef idx="1">
+            <a:schemeClr val="accent1"/>
+          </a:fillRef>
+          <a:effectRef idx="0">
+            <a:schemeClr val="accent1"/>
+          </a:effectRef>
+          <a:fontRef idx="minor">
+            <a:schemeClr val="lt1"/>
+          </a:fontRef>
+        </p:style>
+        <p:txBody>
+          <a:bodyPr rtlCol="0" anchor="ctr"/>
+          <a:lstStyle/>
+          <a:p>
+            <a:pPr algn="ctr"/>
+            <a:endParaRPr kumimoji="1" lang="ko-KR" altLang="en-US"/>
+          </a:p>
+        </p:txBody>
+      </p:sp>
+    </p:spTree>
+    <p:extLst>
+      <p:ext uri="{BB962C8B-B14F-4D97-AF65-F5344CB8AC3E}">
+        <p14:creationId xmlns:p14="http://schemas.microsoft.com/office/powerpoint/2010/main" val="900595740"/>
+      </p:ext>
+    </p:extLst>
+  </p:cSld>
+  <p:clrMapOvr>
+    <a:masterClrMapping/>
+  </p:clrMapOvr>
+</p:sld>
+</file>
+
+<file path=ppt/slides/slide3.xml><?xml version="1.0" encoding="utf-8"?>
+<p:sld xmlns:a="http://schemas.openxmlformats.org/drawingml/2006/main" xmlns:r="http://schemas.openxmlformats.org/officeDocument/2006/relationships" xmlns:p="http://schemas.openxmlformats.org/presentationml/2006/main">
+  <p:cSld>
+    <p:spTree>
+      <p:nvGrpSpPr>
+        <p:cNvPr id="1" name=""/>
+        <p:cNvGrpSpPr/>
+        <p:nvPr/>
+      </p:nvGrpSpPr>
+      <p:grpSpPr>
+        <a:xfrm>
+          <a:off x="0" y="0"/>
+          <a:ext cx="0" cy="0"/>
+          <a:chOff x="0" y="0"/>
+          <a:chExt cx="0" cy="0"/>
+        </a:xfrm>
+      </p:grpSpPr>
+      <p:sp>
+        <p:nvSpPr>
+          <p:cNvPr id="4" name="직사각형 3">
+            <a:extLst>
+              <a:ext uri="{FF2B5EF4-FFF2-40B4-BE49-F238E27FC236}">
+                <a16:creationId xmlns:a16="http://schemas.microsoft.com/office/drawing/2014/main" id="{419FB4EC-061D-B541-BF8A-ED137C022679}"/>
+              </a:ext>
+            </a:extLst>
+          </p:cNvPr>
+          <p:cNvSpPr/>
+          <p:nvPr/>
+        </p:nvSpPr>
+        <p:spPr>
+          <a:xfrm>
+            <a:off x="1273996" y="4931596"/>
+            <a:ext cx="9472773" cy="226031"/>
+          </a:xfrm>
+          <a:prstGeom prst="rect">
+            <a:avLst/>
+          </a:prstGeom>
+          <a:solidFill>
+            <a:schemeClr val="tx1"/>
+          </a:solidFill>
+          <a:ln>
+            <a:noFill/>
+          </a:ln>
+        </p:spPr>
+        <p:style>
+          <a:lnRef idx="2">
+            <a:schemeClr val="accent1">
+              <a:shade val="50000"/>
+            </a:schemeClr>
+          </a:lnRef>
+          <a:fillRef idx="1">
+            <a:schemeClr val="accent1"/>
+          </a:fillRef>
+          <a:effectRef idx="0">
+            <a:schemeClr val="accent1"/>
+          </a:effectRef>
+          <a:fontRef idx="minor">
+            <a:schemeClr val="lt1"/>
+          </a:fontRef>
+        </p:style>
+        <p:txBody>
+          <a:bodyPr rtlCol="0" anchor="ctr"/>
+          <a:lstStyle/>
+          <a:p>
+            <a:pPr algn="ctr"/>
+            <a:endParaRPr kumimoji="1" lang="ko-KR" altLang="en-US"/>
+          </a:p>
+        </p:txBody>
+      </p:sp>
+      <p:cxnSp>
+        <p:nvCxnSpPr>
+          <p:cNvPr id="8" name="직선 화살표 연결선 7">
+            <a:extLst>
+              <a:ext uri="{FF2B5EF4-FFF2-40B4-BE49-F238E27FC236}">
+                <a16:creationId xmlns:a16="http://schemas.microsoft.com/office/drawing/2014/main" id="{DFFD891D-A012-8447-BF36-BE11B5AE98B2}"/>
+              </a:ext>
+            </a:extLst>
+          </p:cNvPr>
+          <p:cNvCxnSpPr>
+            <a:cxnSpLocks/>
+          </p:cNvCxnSpPr>
+          <p:nvPr/>
+        </p:nvCxnSpPr>
+        <p:spPr>
+          <a:xfrm>
+            <a:off x="6852863" y="2979506"/>
+            <a:ext cx="1767154" cy="1952090"/>
+          </a:xfrm>
+          <a:prstGeom prst="straightConnector1">
+            <a:avLst/>
+          </a:prstGeom>
+          <a:ln w="127000">
+            <a:tailEnd type="triangle"/>
+          </a:ln>
+        </p:spPr>
+        <p:style>
+          <a:lnRef idx="1">
+            <a:schemeClr val="accent1"/>
+          </a:lnRef>
+          <a:fillRef idx="0">
+            <a:schemeClr val="accent1"/>
+          </a:fillRef>
+          <a:effectRef idx="0">
+            <a:schemeClr val="accent1"/>
+          </a:effectRef>
+          <a:fontRef idx="minor">
+            <a:schemeClr val="tx1"/>
+          </a:fontRef>
+        </p:style>
+      </p:cxnSp>
+    </p:spTree>
+    <p:extLst>
+      <p:ext uri="{BB962C8B-B14F-4D97-AF65-F5344CB8AC3E}">
+        <p14:creationId xmlns:p14="http://schemas.microsoft.com/office/powerpoint/2010/main" val="3668469729"/>
       </p:ext>
     </p:extLst>
   </p:cSld>
